--- a/Notes/1) Introducing Dictionaries.pptx
+++ b/Notes/1) Introducing Dictionaries.pptx
@@ -219,7 +219,7 @@
           <a:p>
             <a:fld id="{B2395EA6-D3C5-4916-9B1B-FDC212E44FE7}" type="datetimeFigureOut">
               <a:rPr lang="en-IE" smtClean="0"/>
-              <a:t>24/09/2023</a:t>
+              <a:t>15/09/2025</a:t>
             </a:fld>
             <a:endParaRPr lang="en-IE"/>
           </a:p>
@@ -895,7 +895,7 @@
           <a:p>
             <a:fld id="{7581CCC6-DEAE-494D-8795-61ED1F6717C1}" type="datetimeFigureOut">
               <a:rPr lang="en-IE" smtClean="0"/>
-              <a:t>24/09/2023</a:t>
+              <a:t>15/09/2025</a:t>
             </a:fld>
             <a:endParaRPr lang="en-IE"/>
           </a:p>
@@ -1103,7 +1103,7 @@
           <a:p>
             <a:fld id="{7581CCC6-DEAE-494D-8795-61ED1F6717C1}" type="datetimeFigureOut">
               <a:rPr lang="en-IE" smtClean="0"/>
-              <a:t>24/09/2023</a:t>
+              <a:t>15/09/2025</a:t>
             </a:fld>
             <a:endParaRPr lang="en-IE"/>
           </a:p>
@@ -1359,7 +1359,7 @@
           <a:p>
             <a:fld id="{7581CCC6-DEAE-494D-8795-61ED1F6717C1}" type="datetimeFigureOut">
               <a:rPr lang="en-IE" smtClean="0"/>
-              <a:t>24/09/2023</a:t>
+              <a:t>15/09/2025</a:t>
             </a:fld>
             <a:endParaRPr lang="en-IE"/>
           </a:p>
@@ -1529,7 +1529,7 @@
           <a:p>
             <a:fld id="{7581CCC6-DEAE-494D-8795-61ED1F6717C1}" type="datetimeFigureOut">
               <a:rPr lang="en-IE" smtClean="0"/>
-              <a:t>24/09/2023</a:t>
+              <a:t>15/09/2025</a:t>
             </a:fld>
             <a:endParaRPr lang="en-IE"/>
           </a:p>
@@ -1872,7 +1872,7 @@
           <a:p>
             <a:fld id="{7581CCC6-DEAE-494D-8795-61ED1F6717C1}" type="datetimeFigureOut">
               <a:rPr lang="en-IE" smtClean="0"/>
-              <a:t>24/09/2023</a:t>
+              <a:t>15/09/2025</a:t>
             </a:fld>
             <a:endParaRPr lang="en-IE"/>
           </a:p>
@@ -2147,7 +2147,7 @@
           <a:p>
             <a:fld id="{7581CCC6-DEAE-494D-8795-61ED1F6717C1}" type="datetimeFigureOut">
               <a:rPr lang="en-IE" smtClean="0"/>
-              <a:t>24/09/2023</a:t>
+              <a:t>15/09/2025</a:t>
             </a:fld>
             <a:endParaRPr lang="en-IE"/>
           </a:p>
@@ -2526,7 +2526,7 @@
           <a:p>
             <a:fld id="{7581CCC6-DEAE-494D-8795-61ED1F6717C1}" type="datetimeFigureOut">
               <a:rPr lang="en-IE" smtClean="0"/>
-              <a:t>24/09/2023</a:t>
+              <a:t>15/09/2025</a:t>
             </a:fld>
             <a:endParaRPr lang="en-IE"/>
           </a:p>
@@ -2644,7 +2644,7 @@
           <a:p>
             <a:fld id="{7581CCC6-DEAE-494D-8795-61ED1F6717C1}" type="datetimeFigureOut">
               <a:rPr lang="en-IE" smtClean="0"/>
-              <a:t>24/09/2023</a:t>
+              <a:t>15/09/2025</a:t>
             </a:fld>
             <a:endParaRPr lang="en-IE"/>
           </a:p>
@@ -2815,7 +2815,7 @@
           <a:p>
             <a:fld id="{7581CCC6-DEAE-494D-8795-61ED1F6717C1}" type="datetimeFigureOut">
               <a:rPr lang="en-IE" smtClean="0"/>
-              <a:t>24/09/2023</a:t>
+              <a:t>15/09/2025</a:t>
             </a:fld>
             <a:endParaRPr lang="en-IE"/>
           </a:p>
@@ -3169,7 +3169,7 @@
           <a:p>
             <a:fld id="{7581CCC6-DEAE-494D-8795-61ED1F6717C1}" type="datetimeFigureOut">
               <a:rPr lang="en-IE" smtClean="0"/>
-              <a:t>24/09/2023</a:t>
+              <a:t>15/09/2025</a:t>
             </a:fld>
             <a:endParaRPr lang="en-IE"/>
           </a:p>
@@ -3546,7 +3546,7 @@
           <a:p>
             <a:fld id="{7581CCC6-DEAE-494D-8795-61ED1F6717C1}" type="datetimeFigureOut">
               <a:rPr lang="en-IE" smtClean="0"/>
-              <a:t>24/09/2023</a:t>
+              <a:t>15/09/2025</a:t>
             </a:fld>
             <a:endParaRPr lang="en-IE"/>
           </a:p>
@@ -3833,7 +3833,7 @@
           <a:p>
             <a:fld id="{7581CCC6-DEAE-494D-8795-61ED1F6717C1}" type="datetimeFigureOut">
               <a:rPr lang="en-IE" smtClean="0"/>
-              <a:t>24/09/2023</a:t>
+              <a:t>15/09/2025</a:t>
             </a:fld>
             <a:endParaRPr lang="en-IE"/>
           </a:p>
@@ -4631,7 +4631,7 @@
             </a:r>
             <a:r>
               <a:rPr lang="en-IE" dirty="0" err="1"/>
-              <a:t>moodle</a:t>
+              <a:t>github</a:t>
             </a:r>
             <a:r>
               <a:rPr lang="en-IE" dirty="0"/>
@@ -5397,7 +5397,7 @@
             </a:r>
             <a:r>
               <a:rPr lang="en-IE" dirty="0" err="1"/>
-              <a:t>moodle</a:t>
+              <a:t>github</a:t>
             </a:r>
             <a:r>
               <a:rPr lang="en-IE" dirty="0"/>
@@ -5735,7 +5735,7 @@
             </a:r>
             <a:r>
               <a:rPr lang="en-IE" dirty="0" err="1"/>
-              <a:t>moodle</a:t>
+              <a:t>github</a:t>
             </a:r>
             <a:r>
               <a:rPr lang="en-IE" dirty="0"/>
@@ -6610,7 +6610,7 @@
             </a:r>
             <a:r>
               <a:rPr lang="en-IE" dirty="0" err="1"/>
-              <a:t>moodle</a:t>
+              <a:t>github</a:t>
             </a:r>
             <a:r>
               <a:rPr lang="en-IE" dirty="0"/>
@@ -6988,7 +6988,7 @@
             </a:r>
             <a:r>
               <a:rPr lang="en-IE" dirty="0" err="1"/>
-              <a:t>moodle</a:t>
+              <a:t>github</a:t>
             </a:r>
             <a:r>
               <a:rPr lang="en-IE" dirty="0"/>
@@ -8360,7 +8360,7 @@
             </a:r>
             <a:r>
               <a:rPr lang="en-IE" sz="1400" dirty="0" err="1"/>
-              <a:t>moodle</a:t>
+              <a:t>github</a:t>
             </a:r>
             <a:r>
               <a:rPr lang="en-IE" sz="1400" dirty="0"/>
@@ -8371,7 +8371,7 @@
             <a:pPr algn="ctr"/>
             <a:r>
               <a:rPr lang="en-IE" sz="1400" dirty="0"/>
-              <a:t>UsingUpdate.py</a:t>
+              <a:t>using_update.py</a:t>
             </a:r>
           </a:p>
         </p:txBody>
